--- a/Notes & Figures/Figures.pptx
+++ b/Notes & Figures/Figures.pptx
@@ -1,14 +1,14 @@
 
 <file path=ppt/presentation.xml><?xml version="1.0" encoding="utf-8"?>
-<p:presentation xmlns:a="http://schemas.openxmlformats.org/drawingml/2006/main" xmlns:r="http://schemas.openxmlformats.org/officeDocument/2006/relationships" xmlns:p="http://schemas.openxmlformats.org/presentationml/2006/main" saveSubsetFonts="1">
+<p:presentation xmlns:a="http://schemas.openxmlformats.org/drawingml/2006/main" xmlns:r="http://schemas.openxmlformats.org/officeDocument/2006/relationships" xmlns:p="http://schemas.openxmlformats.org/presentationml/2006/main">
   <p:sldMasterIdLst>
     <p:sldMasterId id="2147483648" r:id="rId1"/>
   </p:sldMasterIdLst>
   <p:sldIdLst>
-    <p:sldId id="256" r:id="rId2"/>
-    <p:sldId id="257" r:id="rId3"/>
-    <p:sldId id="258" r:id="rId4"/>
-    <p:sldId id="259" r:id="rId5"/>
+    <p:sldId id="256" r:id="rId3"/>
+    <p:sldId id="257" r:id="rId4"/>
+    <p:sldId id="258" r:id="rId5"/>
+    <p:sldId id="259" r:id="rId6"/>
   </p:sldIdLst>
   <p:sldSz cx="12192000" cy="6858000"/>
   <p:notesSz cx="6858000" cy="9144000"/>
@@ -107,11 +107,6 @@
       </a:defRPr>
     </a:lvl9pPr>
   </p:defaultTextStyle>
-  <p:extLst>
-    <p:ext uri="{EFAFB233-063F-42B5-8137-9DF3F51BA10A}">
-      <p15:sldGuideLst xmlns:p15="http://schemas.microsoft.com/office/powerpoint/2012/main"/>
-    </p:ext>
-  </p:extLst>
 </p:presentation>
 </file>
 
@@ -246,7 +241,6 @@
           <a:p>
             <a:fld id="{B026F4AE-9A18-41D5-BC58-D6F727724FB8}" type="datetimeFigureOut">
               <a:rPr lang="en-US" smtClean="0"/>
-              <a:t>9/7/2024</a:t>
             </a:fld>
             <a:endParaRPr lang="en-US"/>
           </a:p>
@@ -288,18 +282,12 @@
           <a:p>
             <a:fld id="{7FF45EC0-4969-4230-878F-872BB8C31A2A}" type="slidenum">
               <a:rPr lang="en-US" smtClean="0"/>
-              <a:t>‹#›</a:t>
             </a:fld>
             <a:endParaRPr lang="en-US"/>
           </a:p>
         </p:txBody>
       </p:sp>
     </p:spTree>
-    <p:extLst>
-      <p:ext uri="{BB962C8B-B14F-4D97-AF65-F5344CB8AC3E}">
-        <p14:creationId xmlns:p14="http://schemas.microsoft.com/office/powerpoint/2010/main" val="2778448296"/>
-      </p:ext>
-    </p:extLst>
   </p:cSld>
   <p:clrMapOvr>
     <a:masterClrMapping/>
@@ -367,6 +355,7 @@
               <a:rPr lang="en-US" smtClean="0"/>
               <a:t>Edit Master text styles</a:t>
             </a:r>
+            <a:endParaRPr lang="en-US" smtClean="0"/>
           </a:p>
           <a:p>
             <a:pPr lvl="1"/>
@@ -374,6 +363,7 @@
               <a:rPr lang="en-US" smtClean="0"/>
               <a:t>Second level</a:t>
             </a:r>
+            <a:endParaRPr lang="en-US" smtClean="0"/>
           </a:p>
           <a:p>
             <a:pPr lvl="2"/>
@@ -381,6 +371,7 @@
               <a:rPr lang="en-US" smtClean="0"/>
               <a:t>Third level</a:t>
             </a:r>
+            <a:endParaRPr lang="en-US" smtClean="0"/>
           </a:p>
           <a:p>
             <a:pPr lvl="3"/>
@@ -388,6 +379,7 @@
               <a:rPr lang="en-US" smtClean="0"/>
               <a:t>Fourth level</a:t>
             </a:r>
+            <a:endParaRPr lang="en-US" smtClean="0"/>
           </a:p>
           <a:p>
             <a:pPr lvl="4"/>
@@ -416,7 +408,6 @@
           <a:p>
             <a:fld id="{B026F4AE-9A18-41D5-BC58-D6F727724FB8}" type="datetimeFigureOut">
               <a:rPr lang="en-US" smtClean="0"/>
-              <a:t>9/7/2024</a:t>
             </a:fld>
             <a:endParaRPr lang="en-US"/>
           </a:p>
@@ -458,18 +449,12 @@
           <a:p>
             <a:fld id="{7FF45EC0-4969-4230-878F-872BB8C31A2A}" type="slidenum">
               <a:rPr lang="en-US" smtClean="0"/>
-              <a:t>‹#›</a:t>
             </a:fld>
             <a:endParaRPr lang="en-US"/>
           </a:p>
         </p:txBody>
       </p:sp>
     </p:spTree>
-    <p:extLst>
-      <p:ext uri="{BB962C8B-B14F-4D97-AF65-F5344CB8AC3E}">
-        <p14:creationId xmlns:p14="http://schemas.microsoft.com/office/powerpoint/2010/main" val="334518367"/>
-      </p:ext>
-    </p:extLst>
   </p:cSld>
   <p:clrMapOvr>
     <a:masterClrMapping/>
@@ -547,6 +532,7 @@
               <a:rPr lang="en-US" smtClean="0"/>
               <a:t>Edit Master text styles</a:t>
             </a:r>
+            <a:endParaRPr lang="en-US" smtClean="0"/>
           </a:p>
           <a:p>
             <a:pPr lvl="1"/>
@@ -554,6 +540,7 @@
               <a:rPr lang="en-US" smtClean="0"/>
               <a:t>Second level</a:t>
             </a:r>
+            <a:endParaRPr lang="en-US" smtClean="0"/>
           </a:p>
           <a:p>
             <a:pPr lvl="2"/>
@@ -561,6 +548,7 @@
               <a:rPr lang="en-US" smtClean="0"/>
               <a:t>Third level</a:t>
             </a:r>
+            <a:endParaRPr lang="en-US" smtClean="0"/>
           </a:p>
           <a:p>
             <a:pPr lvl="3"/>
@@ -568,6 +556,7 @@
               <a:rPr lang="en-US" smtClean="0"/>
               <a:t>Fourth level</a:t>
             </a:r>
+            <a:endParaRPr lang="en-US" smtClean="0"/>
           </a:p>
           <a:p>
             <a:pPr lvl="4"/>
@@ -596,7 +585,6 @@
           <a:p>
             <a:fld id="{B026F4AE-9A18-41D5-BC58-D6F727724FB8}" type="datetimeFigureOut">
               <a:rPr lang="en-US" smtClean="0"/>
-              <a:t>9/7/2024</a:t>
             </a:fld>
             <a:endParaRPr lang="en-US"/>
           </a:p>
@@ -638,18 +626,12 @@
           <a:p>
             <a:fld id="{7FF45EC0-4969-4230-878F-872BB8C31A2A}" type="slidenum">
               <a:rPr lang="en-US" smtClean="0"/>
-              <a:t>‹#›</a:t>
             </a:fld>
             <a:endParaRPr lang="en-US"/>
           </a:p>
         </p:txBody>
       </p:sp>
     </p:spTree>
-    <p:extLst>
-      <p:ext uri="{BB962C8B-B14F-4D97-AF65-F5344CB8AC3E}">
-        <p14:creationId xmlns:p14="http://schemas.microsoft.com/office/powerpoint/2010/main" val="2823748153"/>
-      </p:ext>
-    </p:extLst>
   </p:cSld>
   <p:clrMapOvr>
     <a:masterClrMapping/>
@@ -717,6 +699,7 @@
               <a:rPr lang="en-US" smtClean="0"/>
               <a:t>Edit Master text styles</a:t>
             </a:r>
+            <a:endParaRPr lang="en-US" smtClean="0"/>
           </a:p>
           <a:p>
             <a:pPr lvl="1"/>
@@ -724,6 +707,7 @@
               <a:rPr lang="en-US" smtClean="0"/>
               <a:t>Second level</a:t>
             </a:r>
+            <a:endParaRPr lang="en-US" smtClean="0"/>
           </a:p>
           <a:p>
             <a:pPr lvl="2"/>
@@ -731,6 +715,7 @@
               <a:rPr lang="en-US" smtClean="0"/>
               <a:t>Third level</a:t>
             </a:r>
+            <a:endParaRPr lang="en-US" smtClean="0"/>
           </a:p>
           <a:p>
             <a:pPr lvl="3"/>
@@ -738,6 +723,7 @@
               <a:rPr lang="en-US" smtClean="0"/>
               <a:t>Fourth level</a:t>
             </a:r>
+            <a:endParaRPr lang="en-US" smtClean="0"/>
           </a:p>
           <a:p>
             <a:pPr lvl="4"/>
@@ -766,7 +752,6 @@
           <a:p>
             <a:fld id="{B026F4AE-9A18-41D5-BC58-D6F727724FB8}" type="datetimeFigureOut">
               <a:rPr lang="en-US" smtClean="0"/>
-              <a:t>9/7/2024</a:t>
             </a:fld>
             <a:endParaRPr lang="en-US"/>
           </a:p>
@@ -808,18 +793,12 @@
           <a:p>
             <a:fld id="{7FF45EC0-4969-4230-878F-872BB8C31A2A}" type="slidenum">
               <a:rPr lang="en-US" smtClean="0"/>
-              <a:t>‹#›</a:t>
             </a:fld>
             <a:endParaRPr lang="en-US"/>
           </a:p>
         </p:txBody>
       </p:sp>
     </p:spTree>
-    <p:extLst>
-      <p:ext uri="{BB962C8B-B14F-4D97-AF65-F5344CB8AC3E}">
-        <p14:creationId xmlns:p14="http://schemas.microsoft.com/office/powerpoint/2010/main" val="310942485"/>
-      </p:ext>
-    </p:extLst>
   </p:cSld>
   <p:clrMapOvr>
     <a:masterClrMapping/>
@@ -992,6 +971,7 @@
               <a:rPr lang="en-US" smtClean="0"/>
               <a:t>Edit Master text styles</a:t>
             </a:r>
+            <a:endParaRPr lang="en-US" smtClean="0"/>
           </a:p>
         </p:txBody>
       </p:sp>
@@ -1012,7 +992,6 @@
           <a:p>
             <a:fld id="{B026F4AE-9A18-41D5-BC58-D6F727724FB8}" type="datetimeFigureOut">
               <a:rPr lang="en-US" smtClean="0"/>
-              <a:t>9/7/2024</a:t>
             </a:fld>
             <a:endParaRPr lang="en-US"/>
           </a:p>
@@ -1054,18 +1033,12 @@
           <a:p>
             <a:fld id="{7FF45EC0-4969-4230-878F-872BB8C31A2A}" type="slidenum">
               <a:rPr lang="en-US" smtClean="0"/>
-              <a:t>‹#›</a:t>
             </a:fld>
             <a:endParaRPr lang="en-US"/>
           </a:p>
         </p:txBody>
       </p:sp>
     </p:spTree>
-    <p:extLst>
-      <p:ext uri="{BB962C8B-B14F-4D97-AF65-F5344CB8AC3E}">
-        <p14:creationId xmlns:p14="http://schemas.microsoft.com/office/powerpoint/2010/main" val="3698911118"/>
-      </p:ext>
-    </p:extLst>
   </p:cSld>
   <p:clrMapOvr>
     <a:masterClrMapping/>
@@ -1138,6 +1111,7 @@
               <a:rPr lang="en-US" smtClean="0"/>
               <a:t>Edit Master text styles</a:t>
             </a:r>
+            <a:endParaRPr lang="en-US" smtClean="0"/>
           </a:p>
           <a:p>
             <a:pPr lvl="1"/>
@@ -1145,6 +1119,7 @@
               <a:rPr lang="en-US" smtClean="0"/>
               <a:t>Second level</a:t>
             </a:r>
+            <a:endParaRPr lang="en-US" smtClean="0"/>
           </a:p>
           <a:p>
             <a:pPr lvl="2"/>
@@ -1152,6 +1127,7 @@
               <a:rPr lang="en-US" smtClean="0"/>
               <a:t>Third level</a:t>
             </a:r>
+            <a:endParaRPr lang="en-US" smtClean="0"/>
           </a:p>
           <a:p>
             <a:pPr lvl="3"/>
@@ -1159,6 +1135,7 @@
               <a:rPr lang="en-US" smtClean="0"/>
               <a:t>Fourth level</a:t>
             </a:r>
+            <a:endParaRPr lang="en-US" smtClean="0"/>
           </a:p>
           <a:p>
             <a:pPr lvl="4"/>
@@ -1195,6 +1172,7 @@
               <a:rPr lang="en-US" smtClean="0"/>
               <a:t>Edit Master text styles</a:t>
             </a:r>
+            <a:endParaRPr lang="en-US" smtClean="0"/>
           </a:p>
           <a:p>
             <a:pPr lvl="1"/>
@@ -1202,6 +1180,7 @@
               <a:rPr lang="en-US" smtClean="0"/>
               <a:t>Second level</a:t>
             </a:r>
+            <a:endParaRPr lang="en-US" smtClean="0"/>
           </a:p>
           <a:p>
             <a:pPr lvl="2"/>
@@ -1209,6 +1188,7 @@
               <a:rPr lang="en-US" smtClean="0"/>
               <a:t>Third level</a:t>
             </a:r>
+            <a:endParaRPr lang="en-US" smtClean="0"/>
           </a:p>
           <a:p>
             <a:pPr lvl="3"/>
@@ -1216,6 +1196,7 @@
               <a:rPr lang="en-US" smtClean="0"/>
               <a:t>Fourth level</a:t>
             </a:r>
+            <a:endParaRPr lang="en-US" smtClean="0"/>
           </a:p>
           <a:p>
             <a:pPr lvl="4"/>
@@ -1244,7 +1225,6 @@
           <a:p>
             <a:fld id="{B026F4AE-9A18-41D5-BC58-D6F727724FB8}" type="datetimeFigureOut">
               <a:rPr lang="en-US" smtClean="0"/>
-              <a:t>9/7/2024</a:t>
             </a:fld>
             <a:endParaRPr lang="en-US"/>
           </a:p>
@@ -1286,18 +1266,12 @@
           <a:p>
             <a:fld id="{7FF45EC0-4969-4230-878F-872BB8C31A2A}" type="slidenum">
               <a:rPr lang="en-US" smtClean="0"/>
-              <a:t>‹#›</a:t>
             </a:fld>
             <a:endParaRPr lang="en-US"/>
           </a:p>
         </p:txBody>
       </p:sp>
     </p:spTree>
-    <p:extLst>
-      <p:ext uri="{BB962C8B-B14F-4D97-AF65-F5344CB8AC3E}">
-        <p14:creationId xmlns:p14="http://schemas.microsoft.com/office/powerpoint/2010/main" val="1106277147"/>
-      </p:ext>
-    </p:extLst>
   </p:cSld>
   <p:clrMapOvr>
     <a:masterClrMapping/>
@@ -1412,6 +1386,7 @@
               <a:rPr lang="en-US" smtClean="0"/>
               <a:t>Edit Master text styles</a:t>
             </a:r>
+            <a:endParaRPr lang="en-US" smtClean="0"/>
           </a:p>
         </p:txBody>
       </p:sp>
@@ -1440,6 +1415,7 @@
               <a:rPr lang="en-US" smtClean="0"/>
               <a:t>Edit Master text styles</a:t>
             </a:r>
+            <a:endParaRPr lang="en-US" smtClean="0"/>
           </a:p>
           <a:p>
             <a:pPr lvl="1"/>
@@ -1447,6 +1423,7 @@
               <a:rPr lang="en-US" smtClean="0"/>
               <a:t>Second level</a:t>
             </a:r>
+            <a:endParaRPr lang="en-US" smtClean="0"/>
           </a:p>
           <a:p>
             <a:pPr lvl="2"/>
@@ -1454,6 +1431,7 @@
               <a:rPr lang="en-US" smtClean="0"/>
               <a:t>Third level</a:t>
             </a:r>
+            <a:endParaRPr lang="en-US" smtClean="0"/>
           </a:p>
           <a:p>
             <a:pPr lvl="3"/>
@@ -1461,6 +1439,7 @@
               <a:rPr lang="en-US" smtClean="0"/>
               <a:t>Fourth level</a:t>
             </a:r>
+            <a:endParaRPr lang="en-US" smtClean="0"/>
           </a:p>
           <a:p>
             <a:pPr lvl="4"/>
@@ -1534,6 +1513,7 @@
               <a:rPr lang="en-US" smtClean="0"/>
               <a:t>Edit Master text styles</a:t>
             </a:r>
+            <a:endParaRPr lang="en-US" smtClean="0"/>
           </a:p>
         </p:txBody>
       </p:sp>
@@ -1562,6 +1542,7 @@
               <a:rPr lang="en-US" smtClean="0"/>
               <a:t>Edit Master text styles</a:t>
             </a:r>
+            <a:endParaRPr lang="en-US" smtClean="0"/>
           </a:p>
           <a:p>
             <a:pPr lvl="1"/>
@@ -1569,6 +1550,7 @@
               <a:rPr lang="en-US" smtClean="0"/>
               <a:t>Second level</a:t>
             </a:r>
+            <a:endParaRPr lang="en-US" smtClean="0"/>
           </a:p>
           <a:p>
             <a:pPr lvl="2"/>
@@ -1576,6 +1558,7 @@
               <a:rPr lang="en-US" smtClean="0"/>
               <a:t>Third level</a:t>
             </a:r>
+            <a:endParaRPr lang="en-US" smtClean="0"/>
           </a:p>
           <a:p>
             <a:pPr lvl="3"/>
@@ -1583,6 +1566,7 @@
               <a:rPr lang="en-US" smtClean="0"/>
               <a:t>Fourth level</a:t>
             </a:r>
+            <a:endParaRPr lang="en-US" smtClean="0"/>
           </a:p>
           <a:p>
             <a:pPr lvl="4"/>
@@ -1611,7 +1595,6 @@
           <a:p>
             <a:fld id="{B026F4AE-9A18-41D5-BC58-D6F727724FB8}" type="datetimeFigureOut">
               <a:rPr lang="en-US" smtClean="0"/>
-              <a:t>9/7/2024</a:t>
             </a:fld>
             <a:endParaRPr lang="en-US"/>
           </a:p>
@@ -1653,18 +1636,12 @@
           <a:p>
             <a:fld id="{7FF45EC0-4969-4230-878F-872BB8C31A2A}" type="slidenum">
               <a:rPr lang="en-US" smtClean="0"/>
-              <a:t>‹#›</a:t>
             </a:fld>
             <a:endParaRPr lang="en-US"/>
           </a:p>
         </p:txBody>
       </p:sp>
     </p:spTree>
-    <p:extLst>
-      <p:ext uri="{BB962C8B-B14F-4D97-AF65-F5344CB8AC3E}">
-        <p14:creationId xmlns:p14="http://schemas.microsoft.com/office/powerpoint/2010/main" val="1867713355"/>
-      </p:ext>
-    </p:extLst>
   </p:cSld>
   <p:clrMapOvr>
     <a:masterClrMapping/>
@@ -1729,7 +1706,6 @@
           <a:p>
             <a:fld id="{B026F4AE-9A18-41D5-BC58-D6F727724FB8}" type="datetimeFigureOut">
               <a:rPr lang="en-US" smtClean="0"/>
-              <a:t>9/7/2024</a:t>
             </a:fld>
             <a:endParaRPr lang="en-US"/>
           </a:p>
@@ -1771,18 +1747,12 @@
           <a:p>
             <a:fld id="{7FF45EC0-4969-4230-878F-872BB8C31A2A}" type="slidenum">
               <a:rPr lang="en-US" smtClean="0"/>
-              <a:t>‹#›</a:t>
             </a:fld>
             <a:endParaRPr lang="en-US"/>
           </a:p>
         </p:txBody>
       </p:sp>
     </p:spTree>
-    <p:extLst>
-      <p:ext uri="{BB962C8B-B14F-4D97-AF65-F5344CB8AC3E}">
-        <p14:creationId xmlns:p14="http://schemas.microsoft.com/office/powerpoint/2010/main" val="2306558119"/>
-      </p:ext>
-    </p:extLst>
   </p:cSld>
   <p:clrMapOvr>
     <a:masterClrMapping/>
@@ -1824,7 +1794,6 @@
           <a:p>
             <a:fld id="{B026F4AE-9A18-41D5-BC58-D6F727724FB8}" type="datetimeFigureOut">
               <a:rPr lang="en-US" smtClean="0"/>
-              <a:t>9/7/2024</a:t>
             </a:fld>
             <a:endParaRPr lang="en-US"/>
           </a:p>
@@ -1866,18 +1835,12 @@
           <a:p>
             <a:fld id="{7FF45EC0-4969-4230-878F-872BB8C31A2A}" type="slidenum">
               <a:rPr lang="en-US" smtClean="0"/>
-              <a:t>‹#›</a:t>
             </a:fld>
             <a:endParaRPr lang="en-US"/>
           </a:p>
         </p:txBody>
       </p:sp>
     </p:spTree>
-    <p:extLst>
-      <p:ext uri="{BB962C8B-B14F-4D97-AF65-F5344CB8AC3E}">
-        <p14:creationId xmlns:p14="http://schemas.microsoft.com/office/powerpoint/2010/main" val="1775946086"/>
-      </p:ext>
-    </p:extLst>
   </p:cSld>
   <p:clrMapOvr>
     <a:masterClrMapping/>
@@ -1987,6 +1950,7 @@
               <a:rPr lang="en-US" smtClean="0"/>
               <a:t>Edit Master text styles</a:t>
             </a:r>
+            <a:endParaRPr lang="en-US" smtClean="0"/>
           </a:p>
           <a:p>
             <a:pPr lvl="1"/>
@@ -1994,6 +1958,7 @@
               <a:rPr lang="en-US" smtClean="0"/>
               <a:t>Second level</a:t>
             </a:r>
+            <a:endParaRPr lang="en-US" smtClean="0"/>
           </a:p>
           <a:p>
             <a:pPr lvl="2"/>
@@ -2001,6 +1966,7 @@
               <a:rPr lang="en-US" smtClean="0"/>
               <a:t>Third level</a:t>
             </a:r>
+            <a:endParaRPr lang="en-US" smtClean="0"/>
           </a:p>
           <a:p>
             <a:pPr lvl="3"/>
@@ -2008,6 +1974,7 @@
               <a:rPr lang="en-US" smtClean="0"/>
               <a:t>Fourth level</a:t>
             </a:r>
+            <a:endParaRPr lang="en-US" smtClean="0"/>
           </a:p>
           <a:p>
             <a:pPr lvl="4"/>
@@ -2081,6 +2048,7 @@
               <a:rPr lang="en-US" smtClean="0"/>
               <a:t>Edit Master text styles</a:t>
             </a:r>
+            <a:endParaRPr lang="en-US" smtClean="0"/>
           </a:p>
         </p:txBody>
       </p:sp>
@@ -2101,7 +2069,6 @@
           <a:p>
             <a:fld id="{B026F4AE-9A18-41D5-BC58-D6F727724FB8}" type="datetimeFigureOut">
               <a:rPr lang="en-US" smtClean="0"/>
-              <a:t>9/7/2024</a:t>
             </a:fld>
             <a:endParaRPr lang="en-US"/>
           </a:p>
@@ -2143,18 +2110,12 @@
           <a:p>
             <a:fld id="{7FF45EC0-4969-4230-878F-872BB8C31A2A}" type="slidenum">
               <a:rPr lang="en-US" smtClean="0"/>
-              <a:t>‹#›</a:t>
             </a:fld>
             <a:endParaRPr lang="en-US"/>
           </a:p>
         </p:txBody>
       </p:sp>
     </p:spTree>
-    <p:extLst>
-      <p:ext uri="{BB962C8B-B14F-4D97-AF65-F5344CB8AC3E}">
-        <p14:creationId xmlns:p14="http://schemas.microsoft.com/office/powerpoint/2010/main" val="1244694987"/>
-      </p:ext>
-    </p:extLst>
   </p:cSld>
   <p:clrMapOvr>
     <a:masterClrMapping/>
@@ -2334,6 +2295,7 @@
               <a:rPr lang="en-US" smtClean="0"/>
               <a:t>Edit Master text styles</a:t>
             </a:r>
+            <a:endParaRPr lang="en-US" smtClean="0"/>
           </a:p>
         </p:txBody>
       </p:sp>
@@ -2354,7 +2316,6 @@
           <a:p>
             <a:fld id="{B026F4AE-9A18-41D5-BC58-D6F727724FB8}" type="datetimeFigureOut">
               <a:rPr lang="en-US" smtClean="0"/>
-              <a:t>9/7/2024</a:t>
             </a:fld>
             <a:endParaRPr lang="en-US"/>
           </a:p>
@@ -2396,18 +2357,12 @@
           <a:p>
             <a:fld id="{7FF45EC0-4969-4230-878F-872BB8C31A2A}" type="slidenum">
               <a:rPr lang="en-US" smtClean="0"/>
-              <a:t>‹#›</a:t>
             </a:fld>
             <a:endParaRPr lang="en-US"/>
           </a:p>
         </p:txBody>
       </p:sp>
     </p:spTree>
-    <p:extLst>
-      <p:ext uri="{BB962C8B-B14F-4D97-AF65-F5344CB8AC3E}">
-        <p14:creationId xmlns:p14="http://schemas.microsoft.com/office/powerpoint/2010/main" val="3858710187"/>
-      </p:ext>
-    </p:extLst>
   </p:cSld>
   <p:clrMapOvr>
     <a:masterClrMapping/>
@@ -2500,6 +2455,7 @@
               <a:rPr lang="en-US" smtClean="0"/>
               <a:t>Edit Master text styles</a:t>
             </a:r>
+            <a:endParaRPr lang="en-US" smtClean="0"/>
           </a:p>
           <a:p>
             <a:pPr lvl="1"/>
@@ -2507,6 +2463,7 @@
               <a:rPr lang="en-US" smtClean="0"/>
               <a:t>Second level</a:t>
             </a:r>
+            <a:endParaRPr lang="en-US" smtClean="0"/>
           </a:p>
           <a:p>
             <a:pPr lvl="2"/>
@@ -2514,6 +2471,7 @@
               <a:rPr lang="en-US" smtClean="0"/>
               <a:t>Third level</a:t>
             </a:r>
+            <a:endParaRPr lang="en-US" smtClean="0"/>
           </a:p>
           <a:p>
             <a:pPr lvl="3"/>
@@ -2521,6 +2479,7 @@
               <a:rPr lang="en-US" smtClean="0"/>
               <a:t>Fourth level</a:t>
             </a:r>
+            <a:endParaRPr lang="en-US" smtClean="0"/>
           </a:p>
           <a:p>
             <a:pPr lvl="4"/>
@@ -2567,7 +2526,6 @@
           <a:p>
             <a:fld id="{B026F4AE-9A18-41D5-BC58-D6F727724FB8}" type="datetimeFigureOut">
               <a:rPr lang="en-US" smtClean="0"/>
-              <a:t>9/7/2024</a:t>
             </a:fld>
             <a:endParaRPr lang="en-US"/>
           </a:p>
@@ -2645,18 +2603,12 @@
           <a:p>
             <a:fld id="{7FF45EC0-4969-4230-878F-872BB8C31A2A}" type="slidenum">
               <a:rPr lang="en-US" smtClean="0"/>
-              <a:t>‹#›</a:t>
             </a:fld>
             <a:endParaRPr lang="en-US"/>
           </a:p>
         </p:txBody>
       </p:sp>
     </p:spTree>
-    <p:extLst>
-      <p:ext uri="{BB962C8B-B14F-4D97-AF65-F5344CB8AC3E}">
-        <p14:creationId xmlns:p14="http://schemas.microsoft.com/office/powerpoint/2010/main" val="2258351173"/>
-      </p:ext>
-    </p:extLst>
   </p:cSld>
   <p:clrMap bg1="lt1" tx1="dk1" bg2="lt2" tx2="dk2" accent1="accent1" accent2="accent2" accent3="accent3" accent4="accent4" accent5="accent5" accent6="accent6" hlink="hlink" folHlink="folHlink"/>
   <p:sldLayoutIdLst>
@@ -2995,7 +2947,7 @@
             <p:nvPr/>
           </p:nvPicPr>
           <p:blipFill rotWithShape="1">
-            <a:blip r:embed="rId2" cstate="print">
+            <a:blip r:embed="rId1" cstate="print">
               <a:extLst>
                 <a:ext uri="{28A0092B-C50C-407E-A947-70E740481C1C}">
                   <a14:useLocalDpi xmlns:a14="http://schemas.microsoft.com/office/drawing/2010/main" val="0"/>
@@ -3003,7 +2955,9 @@
               </a:extLst>
             </a:blip>
             <a:srcRect r="13781"/>
-            <a:stretch/>
+            <a:stretch>
+              <a:fillRect/>
+            </a:stretch>
           </p:blipFill>
           <p:spPr>
             <a:xfrm>
@@ -3063,11 +3017,6 @@
         </p:sp>
       </p:grpSp>
     </p:spTree>
-    <p:extLst>
-      <p:ext uri="{BB962C8B-B14F-4D97-AF65-F5344CB8AC3E}">
-        <p14:creationId xmlns:p14="http://schemas.microsoft.com/office/powerpoint/2010/main" val="2431368608"/>
-      </p:ext>
-    </p:extLst>
   </p:cSld>
   <p:clrMapOvr>
     <a:masterClrMapping/>
@@ -3092,87 +3041,61 @@
           <a:chExt cx="0" cy="0"/>
         </a:xfrm>
       </p:grpSpPr>
-      <p:grpSp>
-        <p:nvGrpSpPr>
-          <p:cNvPr id="5" name="Group 4"/>
-          <p:cNvGrpSpPr/>
+      <p:pic>
+        <p:nvPicPr>
+          <p:cNvPr id="4" name="Picture 3" descr="Pred_nmds"/>
+          <p:cNvPicPr>
+            <a:picLocks noChangeAspect="1"/>
+          </p:cNvPicPr>
           <p:nvPr/>
-        </p:nvGrpSpPr>
-        <p:grpSpPr>
+        </p:nvPicPr>
+        <p:blipFill>
+          <a:blip r:embed="rId1"/>
+          <a:stretch>
+            <a:fillRect/>
+          </a:stretch>
+        </p:blipFill>
+        <p:spPr>
           <a:xfrm>
-            <a:off x="1621765" y="329959"/>
-            <a:ext cx="8243977" cy="6182983"/>
-            <a:chOff x="1621765" y="329959"/>
-            <a:chExt cx="8243977" cy="6182983"/>
+            <a:off x="2075180" y="137795"/>
+            <a:ext cx="8379460" cy="6285230"/>
           </a:xfrm>
-        </p:grpSpPr>
-        <p:pic>
-          <p:nvPicPr>
-            <p:cNvPr id="2" name="Picture 1"/>
-            <p:cNvPicPr>
-              <a:picLocks noChangeAspect="1"/>
-            </p:cNvPicPr>
-            <p:nvPr/>
-          </p:nvPicPr>
-          <p:blipFill>
-            <a:blip r:embed="rId2" cstate="print">
-              <a:extLst>
-                <a:ext uri="{28A0092B-C50C-407E-A947-70E740481C1C}">
-                  <a14:useLocalDpi xmlns:a14="http://schemas.microsoft.com/office/drawing/2010/main" val="0"/>
-                </a:ext>
-              </a:extLst>
-            </a:blip>
-            <a:stretch>
-              <a:fillRect/>
-            </a:stretch>
-          </p:blipFill>
-          <p:spPr>
-            <a:xfrm>
-              <a:off x="1621765" y="329959"/>
-              <a:ext cx="8243977" cy="6182983"/>
-            </a:xfrm>
-            <a:prstGeom prst="rect">
-              <a:avLst/>
-            </a:prstGeom>
-          </p:spPr>
-        </p:pic>
-        <p:sp>
-          <p:nvSpPr>
-            <p:cNvPr id="3" name="TextBox 2"/>
-            <p:cNvSpPr txBox="1"/>
-            <p:nvPr/>
-          </p:nvSpPr>
-          <p:spPr>
-            <a:xfrm flipH="1">
-              <a:off x="2400728" y="586596"/>
-              <a:ext cx="1748576" cy="369332"/>
-            </a:xfrm>
-            <a:prstGeom prst="rect">
-              <a:avLst/>
-            </a:prstGeom>
-            <a:noFill/>
-          </p:spPr>
-          <p:txBody>
-            <a:bodyPr wrap="square" rtlCol="0">
-              <a:spAutoFit/>
-            </a:bodyPr>
-            <a:lstStyle/>
-            <a:p>
-              <a:r>
-                <a:rPr lang="en-US" dirty="0" smtClean="0"/>
-                <a:t>Stress = 0.1399</a:t>
-              </a:r>
-              <a:endParaRPr lang="en-US" dirty="0"/>
-            </a:p>
-          </p:txBody>
-        </p:sp>
-      </p:grpSp>
+          <a:prstGeom prst="rect">
+            <a:avLst/>
+          </a:prstGeom>
+        </p:spPr>
+      </p:pic>
+      <p:sp>
+        <p:nvSpPr>
+          <p:cNvPr id="3" name="TextBox 2"/>
+          <p:cNvSpPr txBox="1"/>
+          <p:nvPr/>
+        </p:nvSpPr>
+        <p:spPr>
+          <a:xfrm flipH="1">
+            <a:off x="2719705" y="1097915"/>
+            <a:ext cx="1748790" cy="369570"/>
+          </a:xfrm>
+          <a:prstGeom prst="rect">
+            <a:avLst/>
+          </a:prstGeom>
+          <a:noFill/>
+        </p:spPr>
+        <p:txBody>
+          <a:bodyPr wrap="square" rtlCol="0">
+            <a:spAutoFit/>
+          </a:bodyPr>
+          <a:lstStyle/>
+          <a:p>
+            <a:r>
+              <a:rPr lang="en-US" dirty="0" smtClean="0"/>
+              <a:t>Stress = 0.1399</a:t>
+            </a:r>
+            <a:endParaRPr lang="en-US" dirty="0"/>
+          </a:p>
+        </p:txBody>
+      </p:sp>
     </p:spTree>
-    <p:extLst>
-      <p:ext uri="{BB962C8B-B14F-4D97-AF65-F5344CB8AC3E}">
-        <p14:creationId xmlns:p14="http://schemas.microsoft.com/office/powerpoint/2010/main" val="1045268500"/>
-      </p:ext>
-    </p:extLst>
   </p:cSld>
   <p:clrMapOvr>
     <a:masterClrMapping/>
@@ -3197,87 +3120,61 @@
           <a:chExt cx="0" cy="0"/>
         </a:xfrm>
       </p:grpSpPr>
-      <p:grpSp>
-        <p:nvGrpSpPr>
-          <p:cNvPr id="6" name="Group 5"/>
-          <p:cNvGrpSpPr/>
+      <p:pic>
+        <p:nvPicPr>
+          <p:cNvPr id="2" name="Picture 1" descr="sex_nmds"/>
+          <p:cNvPicPr>
+            <a:picLocks noChangeAspect="1"/>
+          </p:cNvPicPr>
           <p:nvPr/>
-        </p:nvGrpSpPr>
-        <p:grpSpPr>
+        </p:nvPicPr>
+        <p:blipFill>
+          <a:blip r:embed="rId1"/>
+          <a:stretch>
+            <a:fillRect/>
+          </a:stretch>
+        </p:blipFill>
+        <p:spPr>
           <a:xfrm>
-            <a:off x="2251492" y="797944"/>
-            <a:ext cx="7562491" cy="5671868"/>
-            <a:chOff x="2251492" y="797944"/>
-            <a:chExt cx="7562491" cy="5671868"/>
+            <a:off x="1737360" y="205105"/>
+            <a:ext cx="7469505" cy="5602605"/>
           </a:xfrm>
-        </p:grpSpPr>
-        <p:pic>
-          <p:nvPicPr>
-            <p:cNvPr id="4" name="Picture 3"/>
-            <p:cNvPicPr>
-              <a:picLocks noChangeAspect="1"/>
-            </p:cNvPicPr>
-            <p:nvPr/>
-          </p:nvPicPr>
-          <p:blipFill>
-            <a:blip r:embed="rId2" cstate="print">
-              <a:extLst>
-                <a:ext uri="{28A0092B-C50C-407E-A947-70E740481C1C}">
-                  <a14:useLocalDpi xmlns:a14="http://schemas.microsoft.com/office/drawing/2010/main" val="0"/>
-                </a:ext>
-              </a:extLst>
-            </a:blip>
-            <a:stretch>
-              <a:fillRect/>
-            </a:stretch>
-          </p:blipFill>
-          <p:spPr>
-            <a:xfrm>
-              <a:off x="2251492" y="797944"/>
-              <a:ext cx="7562491" cy="5671868"/>
-            </a:xfrm>
-            <a:prstGeom prst="rect">
-              <a:avLst/>
-            </a:prstGeom>
-          </p:spPr>
-        </p:pic>
-        <p:sp>
-          <p:nvSpPr>
-            <p:cNvPr id="5" name="TextBox 4"/>
-            <p:cNvSpPr txBox="1"/>
-            <p:nvPr/>
-          </p:nvSpPr>
-          <p:spPr>
-            <a:xfrm>
-              <a:off x="2855344" y="1000664"/>
-              <a:ext cx="1992702" cy="369332"/>
-            </a:xfrm>
-            <a:prstGeom prst="rect">
-              <a:avLst/>
-            </a:prstGeom>
-            <a:noFill/>
-          </p:spPr>
-          <p:txBody>
-            <a:bodyPr wrap="square" rtlCol="0">
-              <a:spAutoFit/>
-            </a:bodyPr>
-            <a:lstStyle/>
-            <a:p>
-              <a:r>
-                <a:rPr lang="en-US" dirty="0" smtClean="0"/>
-                <a:t>Stress = 0.1297</a:t>
-              </a:r>
-              <a:endParaRPr lang="en-US" dirty="0"/>
-            </a:p>
-          </p:txBody>
-        </p:sp>
-      </p:grpSp>
+          <a:prstGeom prst="rect">
+            <a:avLst/>
+          </a:prstGeom>
+        </p:spPr>
+      </p:pic>
+      <p:sp>
+        <p:nvSpPr>
+          <p:cNvPr id="5" name="TextBox 4"/>
+          <p:cNvSpPr txBox="1"/>
+          <p:nvPr/>
+        </p:nvSpPr>
+        <p:spPr>
+          <a:xfrm>
+            <a:off x="2493010" y="1062355"/>
+            <a:ext cx="1992630" cy="368300"/>
+          </a:xfrm>
+          <a:prstGeom prst="rect">
+            <a:avLst/>
+          </a:prstGeom>
+          <a:noFill/>
+        </p:spPr>
+        <p:txBody>
+          <a:bodyPr wrap="square" rtlCol="0">
+            <a:spAutoFit/>
+          </a:bodyPr>
+          <a:lstStyle/>
+          <a:p>
+            <a:r>
+              <a:rPr lang="en-US" dirty="0" smtClean="0"/>
+              <a:t>Stress = 0.106</a:t>
+            </a:r>
+            <a:endParaRPr lang="en-US" dirty="0"/>
+          </a:p>
+        </p:txBody>
+      </p:sp>
     </p:spTree>
-    <p:extLst>
-      <p:ext uri="{BB962C8B-B14F-4D97-AF65-F5344CB8AC3E}">
-        <p14:creationId xmlns:p14="http://schemas.microsoft.com/office/powerpoint/2010/main" val="99426412"/>
-      </p:ext>
-    </p:extLst>
   </p:cSld>
   <p:clrMapOvr>
     <a:masterClrMapping/>
@@ -3325,7 +3222,7 @@
             <p:nvPr/>
           </p:nvPicPr>
           <p:blipFill>
-            <a:blip r:embed="rId2" cstate="print">
+            <a:blip r:embed="rId1" cstate="print">
               <a:extLst>
                 <a:ext uri="{28A0092B-C50C-407E-A947-70E740481C1C}">
                   <a14:useLocalDpi xmlns:a14="http://schemas.microsoft.com/office/drawing/2010/main" val="0"/>
@@ -3378,11 +3275,6 @@
         </p:sp>
       </p:grpSp>
     </p:spTree>
-    <p:extLst>
-      <p:ext uri="{BB962C8B-B14F-4D97-AF65-F5344CB8AC3E}">
-        <p14:creationId xmlns:p14="http://schemas.microsoft.com/office/powerpoint/2010/main" val="698215259"/>
-      </p:ext>
-    </p:extLst>
   </p:cSld>
   <p:clrMapOvr>
     <a:masterClrMapping/>
@@ -3433,7 +3325,7 @@
     </a:clrScheme>
     <a:fontScheme name="Office">
       <a:majorFont>
-        <a:latin typeface="Calibri Light" panose="020F0302020204030204"/>
+        <a:latin typeface="Calibri Light"/>
         <a:ea typeface=""/>
         <a:cs typeface=""/>
         <a:font script="Jpan" typeface="游ゴシック Light"/>
@@ -3468,7 +3360,7 @@
         <a:font script="Geor" typeface="Sylfaen"/>
       </a:majorFont>
       <a:minorFont>
-        <a:latin typeface="Calibri" panose="020F0502020204030204"/>
+        <a:latin typeface="Calibri"/>
         <a:ea typeface=""/>
         <a:cs typeface=""/>
         <a:font script="Jpan" typeface="游ゴシック"/>
@@ -3641,8 +3533,6 @@
       </a:bgFillStyleLst>
     </a:fmtScheme>
   </a:themeElements>
-  <a:objectDefaults/>
-  <a:extraClrSchemeLst/>
   <a:extLst>
     <a:ext uri="{05A4C25C-085E-4340-85A3-A5531E510DB2}">
       <thm15:themeFamily xmlns:thm15="http://schemas.microsoft.com/office/thememl/2012/main" name="Office Theme" id="{62F939B6-93AF-4DB8-9C6B-D6C7DFDC589F}" vid="{4A3C46E8-61CC-4603-A589-7422A47A8E4A}"/>

--- a/Notes & Figures/Figures.pptx
+++ b/Notes & Figures/Figures.pptx
@@ -3043,10 +3043,8 @@
       </p:grpSpPr>
       <p:pic>
         <p:nvPicPr>
-          <p:cNvPr id="4" name="Picture 3" descr="Pred_nmds"/>
-          <p:cNvPicPr>
-            <a:picLocks noChangeAspect="1"/>
-          </p:cNvPicPr>
+          <p:cNvPr id="2" name="Picture 1"/>
+          <p:cNvPicPr/>
           <p:nvPr/>
         </p:nvPicPr>
         <p:blipFill>
@@ -3057,8 +3055,8 @@
         </p:blipFill>
         <p:spPr>
           <a:xfrm>
-            <a:off x="2075180" y="137795"/>
-            <a:ext cx="8379460" cy="6285230"/>
+            <a:off x="2129155" y="461010"/>
+            <a:ext cx="7349490" cy="6093460"/>
           </a:xfrm>
           <a:prstGeom prst="rect">
             <a:avLst/>
@@ -3074,7 +3072,7 @@
         <p:spPr>
           <a:xfrm flipH="1">
             <a:off x="2719705" y="1097915"/>
-            <a:ext cx="1748790" cy="369570"/>
+            <a:ext cx="1748790" cy="368300"/>
           </a:xfrm>
           <a:prstGeom prst="rect">
             <a:avLst/>
@@ -3089,7 +3087,7 @@
           <a:p>
             <a:r>
               <a:rPr lang="en-US" dirty="0" smtClean="0"/>
-              <a:t>Stress = 0.1399</a:t>
+              <a:t>Stress = 0.1308</a:t>
             </a:r>
             <a:endParaRPr lang="en-US" dirty="0"/>
           </a:p>
